--- a/AngularJs.pptx
+++ b/AngularJs.pptx
@@ -5,7 +5,7 @@
     <p:sldMasterId id="2147483708" r:id="rId1"/>
   </p:sldMasterIdLst>
   <p:notesMasterIdLst>
-    <p:notesMasterId r:id="rId18"/>
+    <p:notesMasterId r:id="rId20"/>
   </p:notesMasterIdLst>
   <p:sldIdLst>
     <p:sldId id="256" r:id="rId2"/>
@@ -24,6 +24,8 @@
     <p:sldId id="272" r:id="rId15"/>
     <p:sldId id="273" r:id="rId16"/>
     <p:sldId id="274" r:id="rId17"/>
+    <p:sldId id="275" r:id="rId18"/>
+    <p:sldId id="276" r:id="rId19"/>
   </p:sldIdLst>
   <p:sldSz cx="9144000" cy="6858000" type="screen4x3"/>
   <p:notesSz cx="6858000" cy="9144000"/>
@@ -208,7 +210,7 @@
             <a:fld id="{B7B4A22D-DA97-4002-BA75-33CE1C33BB25}" type="datetimeFigureOut">
               <a:rPr lang="en-IN" smtClean="0"/>
               <a:pPr/>
-              <a:t>27-02-2014</a:t>
+              <a:t>28-02-2014</a:t>
             </a:fld>
             <a:endParaRPr lang="en-IN"/>
           </a:p>
@@ -377,7 +379,7 @@
     </p:spTree>
     <p:extLst>
       <p:ext uri="{BB962C8B-B14F-4D97-AF65-F5344CB8AC3E}">
-        <p14:creationId xmlns:p14="http://schemas.microsoft.com/office/powerpoint/2010/main" xmlns="" val="3843642904"/>
+        <p14:creationId xmlns="" xmlns:p14="http://schemas.microsoft.com/office/powerpoint/2010/main" val="3843642904"/>
       </p:ext>
     </p:extLst>
   </p:cSld>
@@ -1092,7 +1094,7 @@
             <a:fld id="{343E6140-E054-46FA-9A96-872999A3C81D}" type="datetime3">
               <a:rPr lang="en-US" smtClean="0"/>
               <a:pPr/>
-              <a:t>27 February 2014</a:t>
+              <a:t>28 February 2014</a:t>
             </a:fld>
             <a:endParaRPr lang="en-US" dirty="0"/>
           </a:p>
@@ -1263,7 +1265,7 @@
             <a:fld id="{EB29D142-3E85-4673-8759-53F6519F66AB}" type="datetime3">
               <a:rPr lang="en-US" smtClean="0"/>
               <a:pPr/>
-              <a:t>27 February 2014</a:t>
+              <a:t>28 February 2014</a:t>
             </a:fld>
             <a:endParaRPr lang="en-US" dirty="0"/>
           </a:p>
@@ -1444,7 +1446,7 @@
             <a:fld id="{B6A55304-7E17-4F51-8CBC-0267A37E9E6C}" type="datetime3">
               <a:rPr lang="en-US" smtClean="0"/>
               <a:pPr/>
-              <a:t>27 February 2014</a:t>
+              <a:t>28 February 2014</a:t>
             </a:fld>
             <a:endParaRPr lang="en-US" dirty="0"/>
           </a:p>
@@ -1615,7 +1617,7 @@
             <a:fld id="{A515C7B7-5D4B-4931-8F39-EEC12BF65E38}" type="datetime3">
               <a:rPr lang="en-US" smtClean="0"/>
               <a:pPr/>
-              <a:t>27 February 2014</a:t>
+              <a:t>28 February 2014</a:t>
             </a:fld>
             <a:endParaRPr lang="en-US" dirty="0"/>
           </a:p>
@@ -1862,7 +1864,7 @@
             <a:fld id="{9C48F422-298E-4CFC-9203-5A1471A7E674}" type="datetime3">
               <a:rPr lang="en-US" smtClean="0"/>
               <a:pPr/>
-              <a:t>27 February 2014</a:t>
+              <a:t>28 February 2014</a:t>
             </a:fld>
             <a:endParaRPr lang="en-US" dirty="0"/>
           </a:p>
@@ -2151,7 +2153,7 @@
             <a:fld id="{F3936F1F-3DE7-4714-A19B-6C668F304AED}" type="datetime3">
               <a:rPr lang="en-US" smtClean="0"/>
               <a:pPr/>
-              <a:t>27 February 2014</a:t>
+              <a:t>28 February 2014</a:t>
             </a:fld>
             <a:endParaRPr lang="en-US" dirty="0"/>
           </a:p>
@@ -2574,7 +2576,7 @@
             <a:fld id="{4E719D54-83F5-4BA4-A2E6-A86304296923}" type="datetime3">
               <a:rPr lang="en-US" smtClean="0"/>
               <a:pPr/>
-              <a:t>27 February 2014</a:t>
+              <a:t>28 February 2014</a:t>
             </a:fld>
             <a:endParaRPr lang="en-US" dirty="0"/>
           </a:p>
@@ -2693,7 +2695,7 @@
             <a:fld id="{C65AAE15-EE1E-4FDA-A9B7-BF747A71D8F5}" type="datetime3">
               <a:rPr lang="en-US" smtClean="0"/>
               <a:pPr/>
-              <a:t>27 February 2014</a:t>
+              <a:t>28 February 2014</a:t>
             </a:fld>
             <a:endParaRPr lang="en-US" dirty="0"/>
           </a:p>
@@ -2789,7 +2791,7 @@
             <a:fld id="{69AC644D-73C7-4518-A491-049AC8AF3629}" type="datetime3">
               <a:rPr lang="en-US" smtClean="0"/>
               <a:pPr/>
-              <a:t>27 February 2014</a:t>
+              <a:t>28 February 2014</a:t>
             </a:fld>
             <a:endParaRPr lang="en-US" dirty="0"/>
           </a:p>
@@ -3067,7 +3069,7 @@
             <a:fld id="{9269B8CA-166E-490A-AECA-1A185FAD9E65}" type="datetime3">
               <a:rPr lang="en-US" smtClean="0"/>
               <a:pPr/>
-              <a:t>27 February 2014</a:t>
+              <a:t>28 February 2014</a:t>
             </a:fld>
             <a:endParaRPr lang="en-US" dirty="0"/>
           </a:p>
@@ -3321,7 +3323,7 @@
             <a:fld id="{F1403047-134D-4443-97BB-DB8A0BA72F8D}" type="datetime3">
               <a:rPr lang="en-US" smtClean="0"/>
               <a:pPr/>
-              <a:t>27 February 2014</a:t>
+              <a:t>28 February 2014</a:t>
             </a:fld>
             <a:endParaRPr lang="en-US" dirty="0"/>
           </a:p>
@@ -3541,7 +3543,7 @@
             <a:fld id="{105A87A3-FBD4-4833-B590-A86012C61954}" type="datetime3">
               <a:rPr lang="en-US" smtClean="0"/>
               <a:pPr/>
-              <a:t>27 February 2014</a:t>
+              <a:t>28 February 2014</a:t>
             </a:fld>
             <a:endParaRPr lang="en-US" dirty="0"/>
           </a:p>
@@ -4063,7 +4065,7 @@
             <a:fld id="{A4CF2B19-B198-4A4D-A83F-173D60E85799}" type="datetime3">
               <a:rPr lang="en-US" smtClean="0"/>
               <a:pPr/>
-              <a:t>27 February 2014</a:t>
+              <a:t>28 February 2014</a:t>
             </a:fld>
             <a:endParaRPr lang="en-US" dirty="0"/>
           </a:p>
@@ -4672,7 +4674,7 @@
             <a:fld id="{619206CA-1815-4066-83C6-63FE28EEFF10}" type="datetime3">
               <a:rPr lang="en-US" smtClean="0"/>
               <a:pPr/>
-              <a:t>27 February 2014</a:t>
+              <a:t>28 February 2014</a:t>
             </a:fld>
             <a:endParaRPr lang="en-US" dirty="0"/>
           </a:p>
@@ -4681,7 +4683,7 @@
     </p:spTree>
     <p:extLst>
       <p:ext uri="{BB962C8B-B14F-4D97-AF65-F5344CB8AC3E}">
-        <p14:creationId xmlns:p14="http://schemas.microsoft.com/office/powerpoint/2010/main" xmlns="" val="3671505210"/>
+        <p14:creationId xmlns="" xmlns:p14="http://schemas.microsoft.com/office/powerpoint/2010/main" val="3671505210"/>
       </p:ext>
     </p:extLst>
   </p:cSld>
@@ -5551,7 +5553,7 @@
             <a:fld id="{7B5FBCB9-580B-411E-8E78-8958DCA9547F}" type="datetime3">
               <a:rPr lang="en-US" smtClean="0"/>
               <a:pPr/>
-              <a:t>27 February 2014</a:t>
+              <a:t>28 February 2014</a:t>
             </a:fld>
             <a:endParaRPr lang="en-US" dirty="0"/>
           </a:p>
@@ -5560,7 +5562,7 @@
     </p:spTree>
     <p:extLst>
       <p:ext uri="{BB962C8B-B14F-4D97-AF65-F5344CB8AC3E}">
-        <p14:creationId xmlns:p14="http://schemas.microsoft.com/office/powerpoint/2010/main" xmlns="" val="3353805717"/>
+        <p14:creationId xmlns="" xmlns:p14="http://schemas.microsoft.com/office/powerpoint/2010/main" val="3353805717"/>
       </p:ext>
     </p:extLst>
   </p:cSld>
@@ -6300,7 +6302,7 @@
             <a:fld id="{335ED4B1-B6EA-4F35-85E7-2C3B07EF9BC2}" type="datetime3">
               <a:rPr lang="en-US" smtClean="0"/>
               <a:pPr/>
-              <a:t>27 February 2014</a:t>
+              <a:t>28 February 2014</a:t>
             </a:fld>
             <a:endParaRPr lang="en-US" dirty="0"/>
           </a:p>
@@ -6309,7 +6311,7 @@
     </p:spTree>
     <p:extLst>
       <p:ext uri="{BB962C8B-B14F-4D97-AF65-F5344CB8AC3E}">
-        <p14:creationId xmlns:p14="http://schemas.microsoft.com/office/powerpoint/2010/main" xmlns="" val="2463094448"/>
+        <p14:creationId xmlns="" xmlns:p14="http://schemas.microsoft.com/office/powerpoint/2010/main" val="2463094448"/>
       </p:ext>
     </p:extLst>
   </p:cSld>
@@ -6361,7 +6363,7 @@
             <a:fld id="{335ED4B1-B6EA-4F35-85E7-2C3B07EF9BC2}" type="datetime3">
               <a:rPr lang="en-US" smtClean="0"/>
               <a:pPr/>
-              <a:t>27 February 2014</a:t>
+              <a:t>28 February 2014</a:t>
             </a:fld>
             <a:endParaRPr lang="en-US" dirty="0"/>
           </a:p>
@@ -6565,16 +6567,7 @@
                 </a:solidFill>
                 <a:hlinkClick r:id="rId3"/>
               </a:rPr>
-              <a:t>Help reference : http</a:t>
-            </a:r>
-            <a:r>
-              <a:rPr lang="en-GB" i="1" dirty="0" smtClean="0">
-                <a:solidFill>
-                  <a:srgbClr val="0070C0"/>
-                </a:solidFill>
-                <a:hlinkClick r:id="rId3"/>
-              </a:rPr>
-              <a:t>://docs.angularjs.org/guide/bootstrap</a:t>
+              <a:t>Help reference : http://docs.angularjs.org/guide/bootstrap</a:t>
             </a:r>
             <a:endParaRPr lang="en-GB" i="1" dirty="0">
               <a:solidFill>
@@ -6587,7 +6580,7 @@
     </p:spTree>
     <p:extLst>
       <p:ext uri="{BB962C8B-B14F-4D97-AF65-F5344CB8AC3E}">
-        <p14:creationId xmlns:p14="http://schemas.microsoft.com/office/powerpoint/2010/main" xmlns="" val="2463094448"/>
+        <p14:creationId xmlns="" xmlns:p14="http://schemas.microsoft.com/office/powerpoint/2010/main" val="2463094448"/>
       </p:ext>
     </p:extLst>
   </p:cSld>
@@ -6672,15 +6665,7 @@
           <a:p>
             <a:r>
               <a:rPr lang="en-GB" sz="3200" dirty="0" smtClean="0"/>
-              <a:t>&lt;</a:t>
-            </a:r>
-            <a:r>
-              <a:rPr lang="en-GB" sz="3200" dirty="0" smtClean="0"/>
-              <a:t>html ng-app id="ng-app</a:t>
-            </a:r>
-            <a:r>
-              <a:rPr lang="en-GB" sz="3200" dirty="0" smtClean="0"/>
-              <a:t>"&gt;</a:t>
+              <a:t>&lt;html ng-app id="ng-app"&gt;</a:t>
             </a:r>
           </a:p>
           <a:p>
@@ -6692,11 +6677,7 @@
           <a:p>
             <a:r>
               <a:rPr lang="en-GB" dirty="0" smtClean="0"/>
-              <a:t>&lt;html xmlns:ng="http://angularjs.org</a:t>
-            </a:r>
-            <a:r>
-              <a:rPr lang="en-GB" dirty="0" smtClean="0"/>
-              <a:t>"&gt;</a:t>
+              <a:t>&lt;html xmlns:ng="http://angularjs.org"&gt;</a:t>
             </a:r>
             <a:endParaRPr lang="en-GB" sz="3200" dirty="0" smtClean="0"/>
           </a:p>
@@ -7114,6 +7095,470 @@
 </p:sld>
 </file>
 
+<file path=ppt/slides/slide17.xml><?xml version="1.0" encoding="utf-8"?>
+<p:sld xmlns:a="http://schemas.openxmlformats.org/drawingml/2006/main" xmlns:r="http://schemas.openxmlformats.org/officeDocument/2006/relationships" xmlns:p="http://schemas.openxmlformats.org/presentationml/2006/main">
+  <p:cSld>
+    <p:spTree>
+      <p:nvGrpSpPr>
+        <p:cNvPr id="1" name=""/>
+        <p:cNvGrpSpPr/>
+        <p:nvPr/>
+      </p:nvGrpSpPr>
+      <p:grpSpPr>
+        <a:xfrm>
+          <a:off x="0" y="0"/>
+          <a:ext cx="0" cy="0"/>
+          <a:chOff x="0" y="0"/>
+          <a:chExt cx="0" cy="0"/>
+        </a:xfrm>
+      </p:grpSpPr>
+      <p:sp>
+        <p:nvSpPr>
+          <p:cNvPr id="2" name="Title 1"/>
+          <p:cNvSpPr>
+            <a:spLocks noGrp="1"/>
+          </p:cNvSpPr>
+          <p:nvPr>
+            <p:ph type="title"/>
+          </p:nvPr>
+        </p:nvSpPr>
+        <p:spPr/>
+        <p:txBody>
+          <a:bodyPr>
+            <a:normAutofit fontScale="90000"/>
+          </a:bodyPr>
+          <a:lstStyle/>
+          <a:p>
+            <a:r>
+              <a:rPr lang="en-IN" dirty="0" smtClean="0"/>
+              <a:t>Directives</a:t>
+            </a:r>
+            <a:br>
+              <a:rPr lang="en-IN" dirty="0" smtClean="0"/>
+            </a:br>
+            <a:endParaRPr lang="en-GB" dirty="0"/>
+          </a:p>
+        </p:txBody>
+      </p:sp>
+      <p:sp>
+        <p:nvSpPr>
+          <p:cNvPr id="3" name="Content Placeholder 2"/>
+          <p:cNvSpPr>
+            <a:spLocks noGrp="1"/>
+          </p:cNvSpPr>
+          <p:nvPr>
+            <p:ph idx="1"/>
+          </p:nvPr>
+        </p:nvSpPr>
+        <p:spPr>
+          <a:xfrm>
+            <a:off x="500034" y="857232"/>
+            <a:ext cx="8229600" cy="4525963"/>
+          </a:xfrm>
+        </p:spPr>
+        <p:txBody>
+          <a:bodyPr>
+            <a:noAutofit/>
+          </a:bodyPr>
+          <a:lstStyle/>
+          <a:p>
+            <a:r>
+              <a:rPr lang="en-IN" sz="2000" dirty="0" smtClean="0">
+                <a:solidFill>
+                  <a:srgbClr val="FF0000"/>
+                </a:solidFill>
+              </a:rPr>
+              <a:t>ng-app</a:t>
+            </a:r>
+          </a:p>
+          <a:p>
+            <a:pPr lvl="1"/>
+            <a:r>
+              <a:rPr lang="en-IN" sz="2000" dirty="0" smtClean="0"/>
+              <a:t>Declares an element as a root element of the application allowing </a:t>
+            </a:r>
+            <a:r>
+              <a:rPr lang="en-IN" sz="2000" dirty="0" err="1" smtClean="0"/>
+              <a:t>behavior</a:t>
+            </a:r>
+            <a:r>
+              <a:rPr lang="en-IN" sz="2000" dirty="0" smtClean="0"/>
+              <a:t> to be modified through custom HTML tags.</a:t>
+            </a:r>
+          </a:p>
+          <a:p>
+            <a:r>
+              <a:rPr lang="en-IN" sz="2000" dirty="0" smtClean="0"/>
+              <a:t>ng-bind</a:t>
+            </a:r>
+          </a:p>
+          <a:p>
+            <a:pPr lvl="1"/>
+            <a:r>
+              <a:rPr lang="en-IN" sz="2000" dirty="0" smtClean="0"/>
+              <a:t>Automatically changes the text of an HTML element to the value of a given expression.</a:t>
+            </a:r>
+          </a:p>
+          <a:p>
+            <a:r>
+              <a:rPr lang="en-IN" sz="2000" dirty="0" smtClean="0">
+                <a:solidFill>
+                  <a:srgbClr val="FF0000"/>
+                </a:solidFill>
+              </a:rPr>
+              <a:t>ng-model</a:t>
+            </a:r>
+          </a:p>
+          <a:p>
+            <a:pPr lvl="1"/>
+            <a:r>
+              <a:rPr lang="en-IN" sz="2000" dirty="0" smtClean="0"/>
+              <a:t>Similar to ng-bind, but allows two-way data binding between the view and the scope.</a:t>
+            </a:r>
+          </a:p>
+          <a:p>
+            <a:r>
+              <a:rPr lang="en-IN" sz="2000" dirty="0" smtClean="0"/>
+              <a:t>ng-class</a:t>
+            </a:r>
+          </a:p>
+          <a:p>
+            <a:pPr lvl="1"/>
+            <a:r>
+              <a:rPr lang="en-IN" sz="2000" dirty="0" smtClean="0"/>
+              <a:t>Allows class attributes to be dynamically loaded.</a:t>
+            </a:r>
+          </a:p>
+          <a:p>
+            <a:r>
+              <a:rPr lang="en-IN" sz="2000" dirty="0" smtClean="0">
+                <a:solidFill>
+                  <a:srgbClr val="FF0000"/>
+                </a:solidFill>
+              </a:rPr>
+              <a:t>ng-controller</a:t>
+            </a:r>
+          </a:p>
+          <a:p>
+            <a:pPr lvl="1"/>
+            <a:r>
+              <a:rPr lang="en-IN" sz="2000" dirty="0" smtClean="0"/>
+              <a:t>Specifies a JavaScript controller class that evaluates HTML expressions</a:t>
+            </a:r>
+            <a:r>
+              <a:rPr lang="en-IN" sz="2000" dirty="0" smtClean="0"/>
+              <a:t>.</a:t>
+            </a:r>
+            <a:endParaRPr lang="en-IN" sz="2000" dirty="0" smtClean="0"/>
+          </a:p>
+        </p:txBody>
+      </p:sp>
+      <p:sp>
+        <p:nvSpPr>
+          <p:cNvPr id="4" name="Date Placeholder 3"/>
+          <p:cNvSpPr>
+            <a:spLocks noGrp="1"/>
+          </p:cNvSpPr>
+          <p:nvPr>
+            <p:ph type="dt" sz="half" idx="10"/>
+          </p:nvPr>
+        </p:nvSpPr>
+        <p:spPr/>
+        <p:txBody>
+          <a:bodyPr/>
+          <a:lstStyle/>
+          <a:p>
+            <a:fld id="{A515C7B7-5D4B-4931-8F39-EEC12BF65E38}" type="datetime3">
+              <a:rPr lang="en-US" smtClean="0"/>
+              <a:pPr/>
+              <a:t>28 February 2014</a:t>
+            </a:fld>
+            <a:endParaRPr lang="en-US" dirty="0"/>
+          </a:p>
+        </p:txBody>
+      </p:sp>
+      <p:sp>
+        <p:nvSpPr>
+          <p:cNvPr id="5" name="Footer Placeholder 4"/>
+          <p:cNvSpPr>
+            <a:spLocks noGrp="1"/>
+          </p:cNvSpPr>
+          <p:nvPr>
+            <p:ph type="ftr" sz="quarter" idx="11"/>
+          </p:nvPr>
+        </p:nvSpPr>
+        <p:spPr/>
+        <p:txBody>
+          <a:bodyPr/>
+          <a:lstStyle/>
+          <a:p>
+            <a:r>
+              <a:rPr lang="en-US" smtClean="0"/>
+              <a:t>Introduction to AngularJs </a:t>
+            </a:r>
+            <a:endParaRPr lang="en-US" dirty="0"/>
+          </a:p>
+        </p:txBody>
+      </p:sp>
+      <p:sp>
+        <p:nvSpPr>
+          <p:cNvPr id="6" name="Slide Number Placeholder 5"/>
+          <p:cNvSpPr>
+            <a:spLocks noGrp="1"/>
+          </p:cNvSpPr>
+          <p:nvPr>
+            <p:ph type="sldNum" sz="quarter" idx="12"/>
+          </p:nvPr>
+        </p:nvSpPr>
+        <p:spPr/>
+        <p:txBody>
+          <a:bodyPr/>
+          <a:lstStyle/>
+          <a:p>
+            <a:fld id="{B6F15528-21DE-4FAA-801E-634DDDAF4B2B}" type="slidenum">
+              <a:rPr lang="en-US" smtClean="0"/>
+              <a:pPr/>
+              <a:t>17</a:t>
+            </a:fld>
+            <a:endParaRPr lang="en-US" dirty="0"/>
+          </a:p>
+        </p:txBody>
+      </p:sp>
+    </p:spTree>
+  </p:cSld>
+  <p:clrMapOvr>
+    <a:masterClrMapping/>
+  </p:clrMapOvr>
+  <p:timing>
+    <p:tnLst>
+      <p:par>
+        <p:cTn id="1" dur="indefinite" restart="never" nodeType="tmRoot"/>
+      </p:par>
+    </p:tnLst>
+  </p:timing>
+</p:sld>
+</file>
+
+<file path=ppt/slides/slide18.xml><?xml version="1.0" encoding="utf-8"?>
+<p:sld xmlns:a="http://schemas.openxmlformats.org/drawingml/2006/main" xmlns:r="http://schemas.openxmlformats.org/officeDocument/2006/relationships" xmlns:p="http://schemas.openxmlformats.org/presentationml/2006/main">
+  <p:cSld>
+    <p:spTree>
+      <p:nvGrpSpPr>
+        <p:cNvPr id="1" name=""/>
+        <p:cNvGrpSpPr/>
+        <p:nvPr/>
+      </p:nvGrpSpPr>
+      <p:grpSpPr>
+        <a:xfrm>
+          <a:off x="0" y="0"/>
+          <a:ext cx="0" cy="0"/>
+          <a:chOff x="0" y="0"/>
+          <a:chExt cx="0" cy="0"/>
+        </a:xfrm>
+      </p:grpSpPr>
+      <p:sp>
+        <p:nvSpPr>
+          <p:cNvPr id="2" name="Title 1"/>
+          <p:cNvSpPr>
+            <a:spLocks noGrp="1"/>
+          </p:cNvSpPr>
+          <p:nvPr>
+            <p:ph type="title"/>
+          </p:nvPr>
+        </p:nvSpPr>
+        <p:spPr/>
+        <p:txBody>
+          <a:bodyPr/>
+          <a:lstStyle/>
+          <a:p>
+            <a:endParaRPr lang="en-GB"/>
+          </a:p>
+        </p:txBody>
+      </p:sp>
+      <p:sp>
+        <p:nvSpPr>
+          <p:cNvPr id="3" name="Content Placeholder 2"/>
+          <p:cNvSpPr>
+            <a:spLocks noGrp="1"/>
+          </p:cNvSpPr>
+          <p:nvPr>
+            <p:ph idx="1"/>
+          </p:nvPr>
+        </p:nvSpPr>
+        <p:spPr>
+          <a:xfrm>
+            <a:off x="428596" y="428604"/>
+            <a:ext cx="8229600" cy="4525963"/>
+          </a:xfrm>
+        </p:spPr>
+        <p:txBody>
+          <a:bodyPr>
+            <a:normAutofit lnSpcReduction="10000"/>
+          </a:bodyPr>
+          <a:lstStyle/>
+          <a:p>
+            <a:r>
+              <a:rPr lang="en-IN" sz="2000" dirty="0" smtClean="0">
+                <a:solidFill>
+                  <a:srgbClr val="FF0000"/>
+                </a:solidFill>
+              </a:rPr>
+              <a:t>ng-repeat</a:t>
+            </a:r>
+          </a:p>
+          <a:p>
+            <a:pPr lvl="1"/>
+            <a:r>
+              <a:rPr lang="en-IN" sz="2000" dirty="0" smtClean="0"/>
+              <a:t>Instantiate an element once per item from a collection.</a:t>
+            </a:r>
+          </a:p>
+          <a:p>
+            <a:r>
+              <a:rPr lang="en-IN" sz="2000" dirty="0" smtClean="0"/>
+              <a:t>ng-show &amp; ng-hide</a:t>
+            </a:r>
+          </a:p>
+          <a:p>
+            <a:pPr lvl="1"/>
+            <a:r>
+              <a:rPr lang="en-IN" sz="2000" dirty="0" smtClean="0"/>
+              <a:t>Conditionally show or hide an element, depending on the value of a </a:t>
+            </a:r>
+            <a:r>
+              <a:rPr lang="en-IN" sz="2000" dirty="0" err="1" smtClean="0"/>
+              <a:t>boolean</a:t>
+            </a:r>
+            <a:r>
+              <a:rPr lang="en-IN" sz="2000" dirty="0" smtClean="0"/>
+              <a:t> expression.</a:t>
+            </a:r>
+          </a:p>
+          <a:p>
+            <a:r>
+              <a:rPr lang="en-IN" sz="2000" dirty="0" smtClean="0"/>
+              <a:t>ng-switch</a:t>
+            </a:r>
+          </a:p>
+          <a:p>
+            <a:pPr lvl="1"/>
+            <a:r>
+              <a:rPr lang="en-IN" sz="2000" dirty="0" smtClean="0"/>
+              <a:t>Conditionally instantiate one template from a set of choices, depending on the value of a selection expression.</a:t>
+            </a:r>
+          </a:p>
+          <a:p>
+            <a:r>
+              <a:rPr lang="en-IN" sz="2000" dirty="0" smtClean="0"/>
+              <a:t>ng-view</a:t>
+            </a:r>
+          </a:p>
+          <a:p>
+            <a:pPr lvl="1"/>
+            <a:r>
+              <a:rPr lang="en-IN" sz="2000" dirty="0" smtClean="0"/>
+              <a:t>The base directive responsible for handling routes that resolve JSON before rendering templates driven by specified controllers.</a:t>
+            </a:r>
+          </a:p>
+          <a:p>
+            <a:r>
+              <a:rPr lang="en-IN" sz="2000" dirty="0" smtClean="0"/>
+              <a:t>ng-if</a:t>
+            </a:r>
+          </a:p>
+          <a:p>
+            <a:pPr lvl="1"/>
+            <a:r>
+              <a:rPr lang="en-IN" sz="2000" dirty="0" smtClean="0"/>
+              <a:t>Basic if statement directive which allow to show the following element if the conditions are true</a:t>
+            </a:r>
+            <a:r>
+              <a:rPr lang="en-IN" sz="2000" dirty="0" smtClean="0"/>
+              <a:t>.</a:t>
+            </a:r>
+            <a:endParaRPr lang="en-GB" sz="2000" dirty="0" smtClean="0"/>
+          </a:p>
+        </p:txBody>
+      </p:sp>
+      <p:sp>
+        <p:nvSpPr>
+          <p:cNvPr id="4" name="Date Placeholder 3"/>
+          <p:cNvSpPr>
+            <a:spLocks noGrp="1"/>
+          </p:cNvSpPr>
+          <p:nvPr>
+            <p:ph type="dt" sz="half" idx="10"/>
+          </p:nvPr>
+        </p:nvSpPr>
+        <p:spPr/>
+        <p:txBody>
+          <a:bodyPr/>
+          <a:lstStyle/>
+          <a:p>
+            <a:fld id="{A515C7B7-5D4B-4931-8F39-EEC12BF65E38}" type="datetime3">
+              <a:rPr lang="en-US" smtClean="0"/>
+              <a:pPr/>
+              <a:t>28 February 2014</a:t>
+            </a:fld>
+            <a:endParaRPr lang="en-US" dirty="0"/>
+          </a:p>
+        </p:txBody>
+      </p:sp>
+      <p:sp>
+        <p:nvSpPr>
+          <p:cNvPr id="5" name="Footer Placeholder 4"/>
+          <p:cNvSpPr>
+            <a:spLocks noGrp="1"/>
+          </p:cNvSpPr>
+          <p:nvPr>
+            <p:ph type="ftr" sz="quarter" idx="11"/>
+          </p:nvPr>
+        </p:nvSpPr>
+        <p:spPr/>
+        <p:txBody>
+          <a:bodyPr/>
+          <a:lstStyle/>
+          <a:p>
+            <a:r>
+              <a:rPr lang="en-US" smtClean="0"/>
+              <a:t>Introduction to AngularJs </a:t>
+            </a:r>
+            <a:endParaRPr lang="en-US" dirty="0"/>
+          </a:p>
+        </p:txBody>
+      </p:sp>
+      <p:sp>
+        <p:nvSpPr>
+          <p:cNvPr id="6" name="Slide Number Placeholder 5"/>
+          <p:cNvSpPr>
+            <a:spLocks noGrp="1"/>
+          </p:cNvSpPr>
+          <p:nvPr>
+            <p:ph type="sldNum" sz="quarter" idx="12"/>
+          </p:nvPr>
+        </p:nvSpPr>
+        <p:spPr/>
+        <p:txBody>
+          <a:bodyPr/>
+          <a:lstStyle/>
+          <a:p>
+            <a:fld id="{B6F15528-21DE-4FAA-801E-634DDDAF4B2B}" type="slidenum">
+              <a:rPr lang="en-US" smtClean="0"/>
+              <a:pPr/>
+              <a:t>18</a:t>
+            </a:fld>
+            <a:endParaRPr lang="en-US" dirty="0"/>
+          </a:p>
+        </p:txBody>
+      </p:sp>
+    </p:spTree>
+  </p:cSld>
+  <p:clrMapOvr>
+    <a:masterClrMapping/>
+  </p:clrMapOvr>
+</p:sld>
+</file>
+
 <file path=ppt/slides/slide2.xml><?xml version="1.0" encoding="utf-8"?>
 <p:sld xmlns:a="http://schemas.openxmlformats.org/drawingml/2006/main" xmlns:r="http://schemas.openxmlformats.org/officeDocument/2006/relationships" xmlns:p="http://schemas.openxmlformats.org/presentationml/2006/main">
   <p:cSld>
@@ -7347,7 +7792,7 @@
             <a:fld id="{860DF98C-03C0-49AA-89BB-547A4298B4E0}" type="datetime3">
               <a:rPr lang="en-US" smtClean="0"/>
               <a:pPr/>
-              <a:t>27 February 2014</a:t>
+              <a:t>28 February 2014</a:t>
             </a:fld>
             <a:endParaRPr lang="en-US" dirty="0"/>
           </a:p>
@@ -7669,7 +8114,7 @@
             <a:fld id="{D3E02694-3AE6-4AFB-93C3-507E9A2CF41B}" type="datetime3">
               <a:rPr lang="en-US" smtClean="0"/>
               <a:pPr/>
-              <a:t>27 February 2014</a:t>
+              <a:t>28 February 2014</a:t>
             </a:fld>
             <a:endParaRPr lang="en-US" dirty="0"/>
           </a:p>
@@ -8108,7 +8553,7 @@
             <a:fld id="{DEB79723-AA19-4650-AD9F-C80C69155B6F}" type="datetime3">
               <a:rPr lang="en-US" smtClean="0"/>
               <a:pPr/>
-              <a:t>27 February 2014</a:t>
+              <a:t>28 February 2014</a:t>
             </a:fld>
             <a:endParaRPr lang="en-US" dirty="0"/>
           </a:p>
@@ -8372,7 +8817,7 @@
             <a:fld id="{E55D1E75-F900-43EE-9C2C-9303AA0CD64E}" type="datetime3">
               <a:rPr lang="en-US" smtClean="0"/>
               <a:pPr/>
-              <a:t>27 February 2014</a:t>
+              <a:t>28 February 2014</a:t>
             </a:fld>
             <a:endParaRPr lang="en-US" dirty="0"/>
           </a:p>
@@ -8591,7 +9036,7 @@
             <a:fld id="{D3CF4BE8-2807-4069-A87C-3001942BD9CC}" type="datetime3">
               <a:rPr lang="en-US" smtClean="0"/>
               <a:pPr/>
-              <a:t>27 February 2014</a:t>
+              <a:t>28 February 2014</a:t>
             </a:fld>
             <a:endParaRPr lang="en-US" dirty="0"/>
           </a:p>
@@ -9015,7 +9460,7 @@
             <a:fld id="{EE239BB9-3C3E-4B85-98F9-5FCCAE48EC0D}" type="datetime3">
               <a:rPr lang="en-US" smtClean="0"/>
               <a:pPr/>
-              <a:t>27 February 2014</a:t>
+              <a:t>28 February 2014</a:t>
             </a:fld>
             <a:endParaRPr lang="en-US" dirty="0"/>
           </a:p>
@@ -9436,7 +9881,7 @@
             <a:fld id="{7FFFF881-1366-4891-BB37-9A6FB83D5001}" type="datetime3">
               <a:rPr lang="en-US" smtClean="0"/>
               <a:pPr/>
-              <a:t>27 February 2014</a:t>
+              <a:t>28 February 2014</a:t>
             </a:fld>
             <a:endParaRPr lang="en-US" dirty="0"/>
           </a:p>
@@ -9748,7 +10193,7 @@
             <a:fld id="{4B856BB5-ABF1-4CF6-97B6-40F6B33AF49E}" type="datetime3">
               <a:rPr lang="en-US" smtClean="0"/>
               <a:pPr/>
-              <a:t>27 February 2014</a:t>
+              <a:t>28 February 2014</a:t>
             </a:fld>
             <a:endParaRPr lang="en-US" dirty="0"/>
           </a:p>

--- a/AngularJs.pptx
+++ b/AngularJs.pptx
@@ -5,7 +5,7 @@
     <p:sldMasterId id="2147483708" r:id="rId1"/>
   </p:sldMasterIdLst>
   <p:notesMasterIdLst>
-    <p:notesMasterId r:id="rId20"/>
+    <p:notesMasterId r:id="rId21"/>
   </p:notesMasterIdLst>
   <p:sldIdLst>
     <p:sldId id="256" r:id="rId2"/>
@@ -26,6 +26,7 @@
     <p:sldId id="274" r:id="rId17"/>
     <p:sldId id="275" r:id="rId18"/>
     <p:sldId id="276" r:id="rId19"/>
+    <p:sldId id="277" r:id="rId20"/>
   </p:sldIdLst>
   <p:sldSz cx="9144000" cy="6858000" type="screen4x3"/>
   <p:notesSz cx="6858000" cy="9144000"/>
@@ -379,7 +380,7 @@
     </p:spTree>
     <p:extLst>
       <p:ext uri="{BB962C8B-B14F-4D97-AF65-F5344CB8AC3E}">
-        <p14:creationId xmlns="" xmlns:p14="http://schemas.microsoft.com/office/powerpoint/2010/main" val="3843642904"/>
+        <p14:creationId xmlns:p14="http://schemas.microsoft.com/office/powerpoint/2010/main" val="3843642904"/>
       </p:ext>
     </p:extLst>
   </p:cSld>
@@ -4683,7 +4684,7 @@
     </p:spTree>
     <p:extLst>
       <p:ext uri="{BB962C8B-B14F-4D97-AF65-F5344CB8AC3E}">
-        <p14:creationId xmlns="" xmlns:p14="http://schemas.microsoft.com/office/powerpoint/2010/main" val="3671505210"/>
+        <p14:creationId xmlns:p14="http://schemas.microsoft.com/office/powerpoint/2010/main" val="3671505210"/>
       </p:ext>
     </p:extLst>
   </p:cSld>
@@ -5562,7 +5563,7 @@
     </p:spTree>
     <p:extLst>
       <p:ext uri="{BB962C8B-B14F-4D97-AF65-F5344CB8AC3E}">
-        <p14:creationId xmlns="" xmlns:p14="http://schemas.microsoft.com/office/powerpoint/2010/main" val="3353805717"/>
+        <p14:creationId xmlns:p14="http://schemas.microsoft.com/office/powerpoint/2010/main" val="3353805717"/>
       </p:ext>
     </p:extLst>
   </p:cSld>
@@ -6311,7 +6312,7 @@
     </p:spTree>
     <p:extLst>
       <p:ext uri="{BB962C8B-B14F-4D97-AF65-F5344CB8AC3E}">
-        <p14:creationId xmlns="" xmlns:p14="http://schemas.microsoft.com/office/powerpoint/2010/main" val="2463094448"/>
+        <p14:creationId xmlns:p14="http://schemas.microsoft.com/office/powerpoint/2010/main" val="2463094448"/>
       </p:ext>
     </p:extLst>
   </p:cSld>
@@ -6580,7 +6581,7 @@
     </p:spTree>
     <p:extLst>
       <p:ext uri="{BB962C8B-B14F-4D97-AF65-F5344CB8AC3E}">
-        <p14:creationId xmlns="" xmlns:p14="http://schemas.microsoft.com/office/powerpoint/2010/main" val="2463094448"/>
+        <p14:creationId xmlns:p14="http://schemas.microsoft.com/office/powerpoint/2010/main" val="2463094448"/>
       </p:ext>
     </p:extLst>
   </p:cSld>
@@ -7243,13 +7244,8 @@
             <a:pPr lvl="1"/>
             <a:r>
               <a:rPr lang="en-IN" sz="2000" dirty="0" smtClean="0"/>
-              <a:t>Specifies a JavaScript controller class that evaluates HTML expressions</a:t>
-            </a:r>
-            <a:r>
-              <a:rPr lang="en-IN" sz="2000" dirty="0" smtClean="0"/>
-              <a:t>.</a:t>
-            </a:r>
-            <a:endParaRPr lang="en-IN" sz="2000" dirty="0" smtClean="0"/>
+              <a:t>Specifies a JavaScript controller class that evaluates HTML expressions.</a:t>
+            </a:r>
           </a:p>
         </p:txBody>
       </p:sp>
@@ -7470,11 +7466,7 @@
             <a:pPr lvl="1"/>
             <a:r>
               <a:rPr lang="en-IN" sz="2000" dirty="0" smtClean="0"/>
-              <a:t>Basic if statement directive which allow to show the following element if the conditions are true</a:t>
-            </a:r>
-            <a:r>
-              <a:rPr lang="en-IN" sz="2000" dirty="0" smtClean="0"/>
-              <a:t>.</a:t>
+              <a:t>Basic if statement directive which allow to show the following element if the conditions are true.</a:t>
             </a:r>
             <a:endParaRPr lang="en-GB" sz="2000" dirty="0" smtClean="0"/>
           </a:p>
@@ -7552,6 +7544,238 @@
         </p:txBody>
       </p:sp>
     </p:spTree>
+  </p:cSld>
+  <p:clrMapOvr>
+    <a:masterClrMapping/>
+  </p:clrMapOvr>
+</p:sld>
+</file>
+
+<file path=ppt/slides/slide19.xml><?xml version="1.0" encoding="utf-8"?>
+<p:sld xmlns:a="http://schemas.openxmlformats.org/drawingml/2006/main" xmlns:r="http://schemas.openxmlformats.org/officeDocument/2006/relationships" xmlns:p="http://schemas.openxmlformats.org/presentationml/2006/main">
+  <p:cSld>
+    <p:spTree>
+      <p:nvGrpSpPr>
+        <p:cNvPr id="1" name=""/>
+        <p:cNvGrpSpPr/>
+        <p:nvPr/>
+      </p:nvGrpSpPr>
+      <p:grpSpPr>
+        <a:xfrm>
+          <a:off x="0" y="0"/>
+          <a:ext cx="0" cy="0"/>
+          <a:chOff x="0" y="0"/>
+          <a:chExt cx="0" cy="0"/>
+        </a:xfrm>
+      </p:grpSpPr>
+      <p:sp>
+        <p:nvSpPr>
+          <p:cNvPr id="2" name="Title 1"/>
+          <p:cNvSpPr>
+            <a:spLocks noGrp="1"/>
+          </p:cNvSpPr>
+          <p:nvPr>
+            <p:ph type="title"/>
+          </p:nvPr>
+        </p:nvSpPr>
+        <p:spPr/>
+        <p:txBody>
+          <a:bodyPr/>
+          <a:lstStyle/>
+          <a:p>
+            <a:r>
+              <a:rPr lang="en-US" dirty="0"/>
+              <a:t>http://builtwith.angularjs.org/</a:t>
+            </a:r>
+          </a:p>
+        </p:txBody>
+      </p:sp>
+      <p:sp>
+        <p:nvSpPr>
+          <p:cNvPr id="3" name="Content Placeholder 2"/>
+          <p:cNvSpPr>
+            <a:spLocks noGrp="1"/>
+          </p:cNvSpPr>
+          <p:nvPr>
+            <p:ph idx="1"/>
+          </p:nvPr>
+        </p:nvSpPr>
+        <p:spPr/>
+        <p:txBody>
+          <a:bodyPr/>
+          <a:lstStyle/>
+          <a:p>
+            <a:r>
+              <a:rPr lang="en-US" dirty="0">
+                <a:hlinkClick r:id="rId2"/>
+              </a:rPr>
+              <a:t>http://www.localytics.com/blog/2013/angularjs-at-localytics</a:t>
+            </a:r>
+            <a:r>
+              <a:rPr lang="en-US" dirty="0" smtClean="0">
+                <a:hlinkClick r:id="rId2"/>
+              </a:rPr>
+              <a:t>/</a:t>
+            </a:r>
+            <a:endParaRPr lang="en-US" dirty="0" smtClean="0"/>
+          </a:p>
+          <a:p>
+            <a:r>
+              <a:rPr lang="en-US" dirty="0">
+                <a:hlinkClick r:id="rId3"/>
+              </a:rPr>
+              <a:t>http://plnkr.co</a:t>
+            </a:r>
+            <a:r>
+              <a:rPr lang="en-US" dirty="0" smtClean="0">
+                <a:hlinkClick r:id="rId3"/>
+              </a:rPr>
+              <a:t>/</a:t>
+            </a:r>
+            <a:endParaRPr lang="en-US" dirty="0" smtClean="0"/>
+          </a:p>
+          <a:p>
+            <a:r>
+              <a:rPr lang="en-US" dirty="0" smtClean="0">
+                <a:hlinkClick r:id="rId4"/>
+              </a:rPr>
+              <a:t>http</a:t>
+            </a:r>
+            <a:r>
+              <a:rPr lang="en-US" dirty="0">
+                <a:hlinkClick r:id="rId4"/>
+              </a:rPr>
+              <a:t>://sbb.cellfinder.org</a:t>
+            </a:r>
+            <a:r>
+              <a:rPr lang="en-US" dirty="0" smtClean="0">
+                <a:hlinkClick r:id="rId4"/>
+              </a:rPr>
+              <a:t>/</a:t>
+            </a:r>
+            <a:endParaRPr lang="en-US" dirty="0" smtClean="0"/>
+          </a:p>
+          <a:p>
+            <a:r>
+              <a:rPr lang="en-US" dirty="0">
+                <a:hlinkClick r:id="rId5"/>
+              </a:rPr>
+              <a:t>http://</a:t>
+            </a:r>
+            <a:r>
+              <a:rPr lang="en-US" dirty="0" smtClean="0">
+                <a:hlinkClick r:id="rId5"/>
+              </a:rPr>
+              <a:t>www.codeproject.com/Articles/552587/A-Look-Into-AngularJS-The-Super-heroic-JavaScript</a:t>
+            </a:r>
+            <a:endParaRPr lang="en-US" dirty="0" smtClean="0"/>
+          </a:p>
+          <a:p>
+            <a:r>
+              <a:rPr lang="en-US">
+                <a:hlinkClick r:id="rId6"/>
+              </a:rPr>
+              <a:t>http</a:t>
+            </a:r>
+            <a:r>
+              <a:rPr lang="en-US">
+                <a:hlinkClick r:id="rId6"/>
+              </a:rPr>
+              <a:t>://</a:t>
+            </a:r>
+            <a:r>
+              <a:rPr lang="en-US" smtClean="0">
+                <a:hlinkClick r:id="rId6"/>
+              </a:rPr>
+              <a:t>plnkr.co/edit/qIGQQK?p=info</a:t>
+            </a:r>
+            <a:endParaRPr lang="en-US" dirty="0" smtClean="0"/>
+          </a:p>
+          <a:p>
+            <a:endParaRPr lang="en-US" dirty="0" smtClean="0"/>
+          </a:p>
+          <a:p>
+            <a:endParaRPr lang="en-US" dirty="0"/>
+          </a:p>
+        </p:txBody>
+      </p:sp>
+      <p:sp>
+        <p:nvSpPr>
+          <p:cNvPr id="4" name="Date Placeholder 3"/>
+          <p:cNvSpPr>
+            <a:spLocks noGrp="1"/>
+          </p:cNvSpPr>
+          <p:nvPr>
+            <p:ph type="dt" sz="half" idx="10"/>
+          </p:nvPr>
+        </p:nvSpPr>
+        <p:spPr/>
+        <p:txBody>
+          <a:bodyPr/>
+          <a:lstStyle/>
+          <a:p>
+            <a:fld id="{A515C7B7-5D4B-4931-8F39-EEC12BF65E38}" type="datetime3">
+              <a:rPr lang="en-US" smtClean="0"/>
+              <a:pPr/>
+              <a:t>28 February 2014</a:t>
+            </a:fld>
+            <a:endParaRPr lang="en-US" dirty="0"/>
+          </a:p>
+        </p:txBody>
+      </p:sp>
+      <p:sp>
+        <p:nvSpPr>
+          <p:cNvPr id="5" name="Footer Placeholder 4"/>
+          <p:cNvSpPr>
+            <a:spLocks noGrp="1"/>
+          </p:cNvSpPr>
+          <p:nvPr>
+            <p:ph type="ftr" sz="quarter" idx="11"/>
+          </p:nvPr>
+        </p:nvSpPr>
+        <p:spPr/>
+        <p:txBody>
+          <a:bodyPr/>
+          <a:lstStyle/>
+          <a:p>
+            <a:r>
+              <a:rPr lang="en-US" smtClean="0"/>
+              <a:t>Introduction to AngularJs </a:t>
+            </a:r>
+            <a:endParaRPr lang="en-US" dirty="0"/>
+          </a:p>
+        </p:txBody>
+      </p:sp>
+      <p:sp>
+        <p:nvSpPr>
+          <p:cNvPr id="6" name="Slide Number Placeholder 5"/>
+          <p:cNvSpPr>
+            <a:spLocks noGrp="1"/>
+          </p:cNvSpPr>
+          <p:nvPr>
+            <p:ph type="sldNum" sz="quarter" idx="12"/>
+          </p:nvPr>
+        </p:nvSpPr>
+        <p:spPr/>
+        <p:txBody>
+          <a:bodyPr/>
+          <a:lstStyle/>
+          <a:p>
+            <a:fld id="{B6F15528-21DE-4FAA-801E-634DDDAF4B2B}" type="slidenum">
+              <a:rPr lang="en-US" smtClean="0"/>
+              <a:pPr/>
+              <a:t>19</a:t>
+            </a:fld>
+            <a:endParaRPr lang="en-US" dirty="0"/>
+          </a:p>
+        </p:txBody>
+      </p:sp>
+    </p:spTree>
+    <p:extLst>
+      <p:ext uri="{BB962C8B-B14F-4D97-AF65-F5344CB8AC3E}">
+        <p14:creationId xmlns:p14="http://schemas.microsoft.com/office/powerpoint/2010/main" val="4247979547"/>
+      </p:ext>
+    </p:extLst>
   </p:cSld>
   <p:clrMapOvr>
     <a:masterClrMapping/>
